--- a/Word/PhamKhuyen_Slide.pptx
+++ b/Word/PhamKhuyen_Slide.pptx
@@ -270,8 +270,11 @@
     </a:lvl9pPr>
   </p:defaultTextStyle>
   <p:extLst>
+    <p:ext uri="{EFAFB233-063F-42B5-8137-9DF3F51BA10A}">
+      <p15:sldGuideLst xmlns:p15="http://schemas.microsoft.com/office/powerpoint/2012/main"/>
+    </p:ext>
     <p:ext uri="http://customooxmlschemas.google.com/">
-      <go:slidesCustomData xmlns:go="http://customooxmlschemas.google.com/" xmlns:ahyp="http://schemas.microsoft.com/office/drawing/2018/hyperlinkcolor" xmlns:p15="http://schemas.microsoft.com/office/powerpoint/2012/main" xmlns:p14="http://schemas.microsoft.com/office/powerpoint/2010/main" xmlns:com="http://schemas.openxmlformats.org/drawingml/2006/compatibility" xmlns:pvml="urn:schemas-microsoft-com:office:powerpoint" xmlns:v="urn:schemas-microsoft-com:vml" xmlns:o="urn:schemas-microsoft-com:office:office" xmlns:dgm="http://schemas.openxmlformats.org/drawingml/2006/diagram" xmlns:c="http://schemas.openxmlformats.org/drawingml/2006/chart" xmlns:mv="urn:schemas-microsoft-com:mac:vml" xmlns:mc="http://schemas.openxmlformats.org/markup-compatibility/2006" xmlns="" r:id="rId27" roundtripDataSignature="AMtx7mhP6OQHIESGIlYKo4CmABcs0lopXg=="/>
+      <go:slidesCustomData xmlns="" xmlns:mc="http://schemas.openxmlformats.org/markup-compatibility/2006" xmlns:mv="urn:schemas-microsoft-com:mac:vml" xmlns:c="http://schemas.openxmlformats.org/drawingml/2006/chart" xmlns:dgm="http://schemas.openxmlformats.org/drawingml/2006/diagram" xmlns:o="urn:schemas-microsoft-com:office:office" xmlns:v="urn:schemas-microsoft-com:vml" xmlns:pvml="urn:schemas-microsoft-com:office:powerpoint" xmlns:com="http://schemas.openxmlformats.org/drawingml/2006/compatibility" xmlns:p14="http://schemas.microsoft.com/office/powerpoint/2010/main" xmlns:p15="http://schemas.microsoft.com/office/powerpoint/2012/main" xmlns:ahyp="http://schemas.microsoft.com/office/drawing/2018/hyperlinkcolor" xmlns:go="http://customooxmlschemas.google.com/" r:id="rId27" roundtripDataSignature="AMtx7mhP6OQHIESGIlYKo4CmABcs0lopXg=="/>
     </p:ext>
   </p:extLst>
 </p:presentation>
@@ -18578,61 +18581,6 @@
           </a:bodyPr>
           <a:lstStyle/>
           <a:p>
-            <a:pPr marL="0" lvl="0" indent="0" algn="l" rtl="0">
-              <a:lnSpc>
-                <a:spcPct val="94000"/>
-              </a:lnSpc>
-              <a:spcBef>
-                <a:spcPts val="0"/>
-              </a:spcBef>
-              <a:spcAft>
-                <a:spcPts val="0"/>
-              </a:spcAft>
-              <a:buClr>
-                <a:schemeClr val="dk2"/>
-              </a:buClr>
-              <a:buSzPts val="2400"/>
-              <a:buNone/>
-            </a:pPr>
-            <a:r>
-              <a:rPr lang="en-US" sz="2400" dirty="0" err="1">
-                <a:latin typeface="Arial"/>
-                <a:ea typeface="Arial"/>
-                <a:cs typeface="Arial"/>
-                <a:sym typeface="Arial"/>
-              </a:rPr>
-              <a:t>Nhược</a:t>
-            </a:r>
-            <a:r>
-              <a:rPr lang="en-US" sz="2400" dirty="0">
-                <a:latin typeface="Arial"/>
-                <a:ea typeface="Arial"/>
-                <a:cs typeface="Arial"/>
-                <a:sym typeface="Arial"/>
-              </a:rPr>
-              <a:t> </a:t>
-            </a:r>
-            <a:r>
-              <a:rPr lang="en-US" sz="2400" dirty="0" err="1">
-                <a:latin typeface="Arial"/>
-                <a:ea typeface="Arial"/>
-                <a:cs typeface="Arial"/>
-                <a:sym typeface="Arial"/>
-              </a:rPr>
-              <a:t>điểm</a:t>
-            </a:r>
-            <a:r>
-              <a:rPr lang="en-US" sz="2400" dirty="0">
-                <a:latin typeface="Arial"/>
-                <a:ea typeface="Arial"/>
-                <a:cs typeface="Arial"/>
-                <a:sym typeface="Arial"/>
-              </a:rPr>
-              <a:t>:</a:t>
-            </a:r>
-            <a:endParaRPr dirty="0"/>
-          </a:p>
-          <a:p>
             <a:pPr marL="384048" lvl="0" indent="-384048" algn="l" rtl="0">
               <a:lnSpc>
                 <a:spcPct val="94000"/>
@@ -18978,6 +18926,50 @@
           </a:ln>
         </p:spPr>
       </p:pic>
+      <p:sp>
+        <p:nvSpPr>
+          <p:cNvPr id="2" name="TextBox 1">
+            <a:extLst>
+              <a:ext uri="{FF2B5EF4-FFF2-40B4-BE49-F238E27FC236}">
+                <a16:creationId xmlns:a16="http://schemas.microsoft.com/office/drawing/2014/main" id="{8DF21A49-4FEF-4910-B777-B2B563F7CAD4}"/>
+              </a:ext>
+            </a:extLst>
+          </p:cNvPr>
+          <p:cNvSpPr txBox="1"/>
+          <p:nvPr/>
+        </p:nvSpPr>
+        <p:spPr>
+          <a:xfrm>
+            <a:off x="1682864" y="1579257"/>
+            <a:ext cx="2907608" cy="954107"/>
+          </a:xfrm>
+          <a:prstGeom prst="rect">
+            <a:avLst/>
+          </a:prstGeom>
+          <a:noFill/>
+        </p:spPr>
+        <p:txBody>
+          <a:bodyPr wrap="square" rtlCol="0">
+            <a:spAutoFit/>
+          </a:bodyPr>
+          <a:lstStyle/>
+          <a:p>
+            <a:r>
+              <a:rPr lang="vi-VN" sz="2800" b="1" dirty="0">
+                <a:latin typeface="Arial"/>
+                <a:ea typeface="Arial"/>
+                <a:cs typeface="Arial"/>
+                <a:sym typeface="Arial"/>
+              </a:rPr>
+              <a:t>Nhược điểm:</a:t>
+            </a:r>
+            <a:endParaRPr lang="vi-VN" sz="2800" b="1" dirty="0"/>
+          </a:p>
+          <a:p>
+            <a:endParaRPr lang="vi-VN" sz="2800" b="1" dirty="0"/>
+          </a:p>
+        </p:txBody>
+      </p:sp>
     </p:spTree>
   </p:cSld>
   <p:clrMapOvr>
@@ -20907,55 +20899,6 @@
               <a:cs typeface="Arial"/>
               <a:sym typeface="Arial"/>
             </a:endParaRPr>
-          </a:p>
-        </p:txBody>
-      </p:sp>
-      <p:sp>
-        <p:nvSpPr>
-          <p:cNvPr id="166" name="Google Shape;166;p10"/>
-          <p:cNvSpPr txBox="1">
-            <a:spLocks noGrp="1"/>
-          </p:cNvSpPr>
-          <p:nvPr>
-            <p:ph type="body" idx="1"/>
-          </p:nvPr>
-        </p:nvSpPr>
-        <p:spPr>
-          <a:xfrm>
-            <a:off x="2365899" y="3722517"/>
-            <a:ext cx="2974245" cy="1981385"/>
-          </a:xfrm>
-          <a:prstGeom prst="rect">
-            <a:avLst/>
-          </a:prstGeom>
-          <a:noFill/>
-          <a:ln>
-            <a:noFill/>
-          </a:ln>
-        </p:spPr>
-        <p:txBody>
-          <a:bodyPr spcFirstLastPara="1" wrap="square" lIns="91425" tIns="45700" rIns="91425" bIns="45700" anchor="t" anchorCtr="0">
-            <a:normAutofit/>
-          </a:bodyPr>
-          <a:lstStyle/>
-          <a:p>
-            <a:pPr marL="0" lvl="0" indent="0" algn="l" rtl="0">
-              <a:lnSpc>
-                <a:spcPct val="94000"/>
-              </a:lnSpc>
-              <a:spcBef>
-                <a:spcPts val="0"/>
-              </a:spcBef>
-              <a:spcAft>
-                <a:spcPts val="0"/>
-              </a:spcAft>
-              <a:buClr>
-                <a:schemeClr val="dk2"/>
-              </a:buClr>
-              <a:buSzPts val="2400"/>
-              <a:buNone/>
-            </a:pPr>
-            <a:endParaRPr dirty="0"/>
           </a:p>
         </p:txBody>
       </p:sp>

--- a/Word/PhamKhuyen_Slide.pptx
+++ b/Word/PhamKhuyen_Slide.pptx
@@ -281,7 +281,7 @@
       <p15:sldGuideLst xmlns:p15="http://schemas.microsoft.com/office/powerpoint/2012/main"/>
     </p:ext>
     <p:ext uri="http://customooxmlschemas.google.com/">
-      <go:slidesCustomData xmlns="" xmlns:mc="http://schemas.openxmlformats.org/markup-compatibility/2006" xmlns:mv="urn:schemas-microsoft-com:mac:vml" xmlns:c="http://schemas.openxmlformats.org/drawingml/2006/chart" xmlns:dgm="http://schemas.openxmlformats.org/drawingml/2006/diagram" xmlns:o="urn:schemas-microsoft-com:office:office" xmlns:v="urn:schemas-microsoft-com:vml" xmlns:pvml="urn:schemas-microsoft-com:office:powerpoint" xmlns:com="http://schemas.openxmlformats.org/drawingml/2006/compatibility" xmlns:p14="http://schemas.microsoft.com/office/powerpoint/2010/main" xmlns:p15="http://schemas.microsoft.com/office/powerpoint/2012/main" xmlns:ahyp="http://schemas.microsoft.com/office/drawing/2018/hyperlinkcolor" xmlns:go="http://customooxmlschemas.google.com/" r:id="rId28" roundtripDataSignature="AMtx7mhP6OQHIESGIlYKo4CmABcs0lopXg=="/>
+      <go:slidesCustomData xmlns:go="http://customooxmlschemas.google.com/" xmlns:ahyp="http://schemas.microsoft.com/office/drawing/2018/hyperlinkcolor" xmlns:p15="http://schemas.microsoft.com/office/powerpoint/2012/main" xmlns:p14="http://schemas.microsoft.com/office/powerpoint/2010/main" xmlns:com="http://schemas.openxmlformats.org/drawingml/2006/compatibility" xmlns:pvml="urn:schemas-microsoft-com:office:powerpoint" xmlns:v="urn:schemas-microsoft-com:vml" xmlns:o="urn:schemas-microsoft-com:office:office" xmlns:dgm="http://schemas.openxmlformats.org/drawingml/2006/diagram" xmlns:c="http://schemas.openxmlformats.org/drawingml/2006/chart" xmlns:mv="urn:schemas-microsoft-com:mac:vml" xmlns:mc="http://schemas.openxmlformats.org/markup-compatibility/2006" xmlns="" r:id="rId28" roundtripDataSignature="AMtx7mhP6OQHIESGIlYKo4CmABcs0lopXg=="/>
     </p:ext>
   </p:extLst>
 </p:presentation>
@@ -1481,11 +1481,11 @@
 </file>
 
 <file path=ppt/notesSlides/notesSlide1.xml><?xml version="1.0" encoding="utf-8"?>
-<p:notes xmlns:a="http://schemas.openxmlformats.org/drawingml/2006/main" xmlns:r="http://schemas.openxmlformats.org/officeDocument/2006/relationships" xmlns:p="http://schemas.openxmlformats.org/presentationml/2006/main" showMasterSp="0" showMasterPhAnim="0">
+<p:notes xmlns:a="http://schemas.openxmlformats.org/drawingml/2006/main" xmlns:r="http://schemas.openxmlformats.org/officeDocument/2006/relationships" xmlns:p="http://schemas.openxmlformats.org/presentationml/2006/main">
   <p:cSld>
     <p:spTree>
       <p:nvGrpSpPr>
-        <p:cNvPr id="1" name="Shape 93"/>
+        <p:cNvPr id="1" name=""/>
         <p:cNvGrpSpPr/>
         <p:nvPr/>
       </p:nvGrpSpPr>
@@ -1499,45 +1499,116 @@
       </p:grpSpPr>
       <p:sp>
         <p:nvSpPr>
-          <p:cNvPr id="94" name="Google Shape;94;p1:notes"/>
-          <p:cNvSpPr txBox="1">
+          <p:cNvPr id="2" name="Slide Image Placeholder 1"/>
+          <p:cNvSpPr>
+            <a:spLocks noGrp="1" noRot="1" noChangeAspect="1"/>
+          </p:cNvSpPr>
+          <p:nvPr>
+            <p:ph type="sldImg"/>
+          </p:nvPr>
+        </p:nvSpPr>
+        <p:spPr/>
+      </p:sp>
+      <p:sp>
+        <p:nvSpPr>
+          <p:cNvPr id="3" name="Notes Placeholder 2"/>
+          <p:cNvSpPr>
             <a:spLocks noGrp="1"/>
           </p:cNvSpPr>
           <p:nvPr>
             <p:ph type="body" idx="1"/>
           </p:nvPr>
         </p:nvSpPr>
-        <p:spPr>
-          <a:xfrm>
-            <a:off x="685800" y="4400550"/>
-            <a:ext cx="5486400" cy="3600450"/>
-          </a:xfrm>
-          <a:prstGeom prst="rect">
-            <a:avLst/>
-          </a:prstGeom>
-        </p:spPr>
+        <p:spPr/>
         <p:txBody>
-          <a:bodyPr spcFirstLastPara="1" wrap="square" lIns="91425" tIns="45700" rIns="91425" bIns="45700" anchor="t" anchorCtr="0">
-            <a:noAutofit/>
-          </a:bodyPr>
+          <a:bodyPr/>
           <a:lstStyle/>
           <a:p>
-            <a:pPr marL="0" lvl="0" indent="0" algn="l" rtl="0">
-              <a:spcBef>
-                <a:spcPts val="0"/>
-              </a:spcBef>
-              <a:spcAft>
-                <a:spcPts val="0"/>
-              </a:spcAft>
-              <a:buNone/>
-            </a:pPr>
-            <a:endParaRPr/>
+            <a:endParaRPr lang="vi-VN" dirty="0"/>
           </a:p>
         </p:txBody>
       </p:sp>
       <p:sp>
         <p:nvSpPr>
-          <p:cNvPr id="95" name="Google Shape;95;p1:notes"/>
+          <p:cNvPr id="4" name="Slide Number Placeholder 3"/>
+          <p:cNvSpPr>
+            <a:spLocks noGrp="1"/>
+          </p:cNvSpPr>
+          <p:nvPr>
+            <p:ph type="sldNum" idx="12"/>
+          </p:nvPr>
+        </p:nvSpPr>
+        <p:spPr/>
+        <p:txBody>
+          <a:bodyPr/>
+          <a:lstStyle/>
+          <a:p>
+            <a:pPr marL="0" marR="0" lvl="0" indent="0" algn="r" rtl="0">
+              <a:spcBef>
+                <a:spcPts val="0"/>
+              </a:spcBef>
+              <a:spcAft>
+                <a:spcPts val="0"/>
+              </a:spcAft>
+              <a:buNone/>
+            </a:pPr>
+            <a:fld id="{00000000-1234-1234-1234-123412341234}" type="slidenum">
+              <a:rPr lang="en-US" sz="1200" b="0" i="0" u="none" strike="noStrike" cap="none" smtClean="0">
+                <a:solidFill>
+                  <a:schemeClr val="dk1"/>
+                </a:solidFill>
+                <a:latin typeface="Calibri"/>
+                <a:ea typeface="Calibri"/>
+                <a:cs typeface="Calibri"/>
+                <a:sym typeface="Calibri"/>
+              </a:rPr>
+              <a:t>1</a:t>
+            </a:fld>
+            <a:endParaRPr lang="en-US" sz="1200" b="0" i="0" u="none" strike="noStrike" cap="none">
+              <a:solidFill>
+                <a:schemeClr val="dk1"/>
+              </a:solidFill>
+              <a:latin typeface="Calibri"/>
+              <a:ea typeface="Calibri"/>
+              <a:cs typeface="Calibri"/>
+              <a:sym typeface="Calibri"/>
+            </a:endParaRPr>
+          </a:p>
+        </p:txBody>
+      </p:sp>
+    </p:spTree>
+    <p:extLst>
+      <p:ext uri="{BB962C8B-B14F-4D97-AF65-F5344CB8AC3E}">
+        <p14:creationId xmlns:p14="http://schemas.microsoft.com/office/powerpoint/2010/main" val="2314903278"/>
+      </p:ext>
+    </p:extLst>
+  </p:cSld>
+  <p:clrMapOvr>
+    <a:masterClrMapping/>
+  </p:clrMapOvr>
+</p:notes>
+</file>
+
+<file path=ppt/notesSlides/notesSlide10.xml><?xml version="1.0" encoding="utf-8"?>
+<p:notes xmlns:a="http://schemas.openxmlformats.org/drawingml/2006/main" xmlns:r="http://schemas.openxmlformats.org/officeDocument/2006/relationships" xmlns:p="http://schemas.openxmlformats.org/presentationml/2006/main" showMasterSp="0" showMasterPhAnim="0">
+  <p:cSld>
+    <p:spTree>
+      <p:nvGrpSpPr>
+        <p:cNvPr id="1" name="Shape 167"/>
+        <p:cNvGrpSpPr/>
+        <p:nvPr/>
+      </p:nvGrpSpPr>
+      <p:grpSpPr>
+        <a:xfrm>
+          <a:off x="0" y="0"/>
+          <a:ext cx="0" cy="0"/>
+          <a:chOff x="0" y="0"/>
+          <a:chExt cx="0" cy="0"/>
+        </a:xfrm>
+      </p:grpSpPr>
+      <p:sp>
+        <p:nvSpPr>
+          <p:cNvPr id="168" name="Google Shape;168;p11:notes"/>
           <p:cNvSpPr>
             <a:spLocks noGrp="1" noRot="1" noChangeAspect="1"/>
           </p:cNvSpPr>
@@ -1574,7 +1645,105 @@
               </a:path>
             </a:pathLst>
           </a:custGeom>
+          <a:noFill/>
+          <a:ln w="12700" cap="flat" cmpd="sng">
+            <a:solidFill>
+              <a:srgbClr val="000000"/>
+            </a:solidFill>
+            <a:prstDash val="solid"/>
+            <a:round/>
+            <a:headEnd type="none" w="sm" len="sm"/>
+            <a:tailEnd type="none" w="sm" len="sm"/>
+          </a:ln>
         </p:spPr>
+      </p:sp>
+      <p:sp>
+        <p:nvSpPr>
+          <p:cNvPr id="169" name="Google Shape;169;p11:notes"/>
+          <p:cNvSpPr txBox="1">
+            <a:spLocks noGrp="1"/>
+          </p:cNvSpPr>
+          <p:nvPr>
+            <p:ph type="body" idx="1"/>
+          </p:nvPr>
+        </p:nvSpPr>
+        <p:spPr>
+          <a:xfrm>
+            <a:off x="685800" y="4400550"/>
+            <a:ext cx="5486400" cy="3600450"/>
+          </a:xfrm>
+          <a:prstGeom prst="rect">
+            <a:avLst/>
+          </a:prstGeom>
+          <a:noFill/>
+          <a:ln>
+            <a:noFill/>
+          </a:ln>
+        </p:spPr>
+        <p:txBody>
+          <a:bodyPr spcFirstLastPara="1" wrap="square" lIns="91425" tIns="45700" rIns="91425" bIns="45700" anchor="t" anchorCtr="0">
+            <a:noAutofit/>
+          </a:bodyPr>
+          <a:lstStyle/>
+          <a:p>
+            <a:pPr marL="0" lvl="0" indent="0" algn="l" rtl="0">
+              <a:spcBef>
+                <a:spcPts val="0"/>
+              </a:spcBef>
+              <a:spcAft>
+                <a:spcPts val="0"/>
+              </a:spcAft>
+              <a:buNone/>
+            </a:pPr>
+            <a:endParaRPr/>
+          </a:p>
+        </p:txBody>
+      </p:sp>
+      <p:sp>
+        <p:nvSpPr>
+          <p:cNvPr id="170" name="Google Shape;170;p11:notes"/>
+          <p:cNvSpPr txBox="1">
+            <a:spLocks noGrp="1"/>
+          </p:cNvSpPr>
+          <p:nvPr>
+            <p:ph type="sldNum" idx="12"/>
+          </p:nvPr>
+        </p:nvSpPr>
+        <p:spPr>
+          <a:xfrm>
+            <a:off x="3884613" y="8685213"/>
+            <a:ext cx="2971800" cy="458787"/>
+          </a:xfrm>
+          <a:prstGeom prst="rect">
+            <a:avLst/>
+          </a:prstGeom>
+          <a:noFill/>
+          <a:ln>
+            <a:noFill/>
+          </a:ln>
+        </p:spPr>
+        <p:txBody>
+          <a:bodyPr spcFirstLastPara="1" wrap="square" lIns="91425" tIns="45700" rIns="91425" bIns="45700" anchor="b" anchorCtr="0">
+            <a:noAutofit/>
+          </a:bodyPr>
+          <a:lstStyle/>
+          <a:p>
+            <a:pPr marL="0" lvl="0" indent="0" algn="r" rtl="0">
+              <a:spcBef>
+                <a:spcPts val="0"/>
+              </a:spcBef>
+              <a:spcAft>
+                <a:spcPts val="0"/>
+              </a:spcAft>
+              <a:buNone/>
+            </a:pPr>
+            <a:fld id="{00000000-1234-1234-1234-123412341234}" type="slidenum">
+              <a:rPr lang="en-US"/>
+              <a:t>10</a:t>
+            </a:fld>
+            <a:endParaRPr/>
+          </a:p>
+        </p:txBody>
       </p:sp>
     </p:spTree>
   </p:cSld>
@@ -1584,7 +1753,7 @@
 </p:notes>
 </file>
 
-<file path=ppt/notesSlides/notesSlide10.xml><?xml version="1.0" encoding="utf-8"?>
+<file path=ppt/notesSlides/notesSlide11.xml><?xml version="1.0" encoding="utf-8"?>
 <p:notes xmlns:a="http://schemas.openxmlformats.org/drawingml/2006/main" xmlns:r="http://schemas.openxmlformats.org/officeDocument/2006/relationships" xmlns:p="http://schemas.openxmlformats.org/presentationml/2006/main" showMasterSp="0" showMasterPhAnim="0">
   <p:cSld>
     <p:spTree>
@@ -1748,7 +1917,7 @@
 </p:notes>
 </file>
 
-<file path=ppt/notesSlides/notesSlide11.xml><?xml version="1.0" encoding="utf-8"?>
+<file path=ppt/notesSlides/notesSlide12.xml><?xml version="1.0" encoding="utf-8"?>
 <p:notes xmlns:a="http://schemas.openxmlformats.org/drawingml/2006/main" xmlns:r="http://schemas.openxmlformats.org/officeDocument/2006/relationships" xmlns:p="http://schemas.openxmlformats.org/presentationml/2006/main" showMasterSp="0" showMasterPhAnim="0">
   <p:cSld>
     <p:spTree>
@@ -1857,6 +2026,110 @@
   <p:cSld>
     <p:spTree>
       <p:nvGrpSpPr>
+        <p:cNvPr id="1" name="Shape 93"/>
+        <p:cNvGrpSpPr/>
+        <p:nvPr/>
+      </p:nvGrpSpPr>
+      <p:grpSpPr>
+        <a:xfrm>
+          <a:off x="0" y="0"/>
+          <a:ext cx="0" cy="0"/>
+          <a:chOff x="0" y="0"/>
+          <a:chExt cx="0" cy="0"/>
+        </a:xfrm>
+      </p:grpSpPr>
+      <p:sp>
+        <p:nvSpPr>
+          <p:cNvPr id="94" name="Google Shape;94;p1:notes"/>
+          <p:cNvSpPr txBox="1">
+            <a:spLocks noGrp="1"/>
+          </p:cNvSpPr>
+          <p:nvPr>
+            <p:ph type="body" idx="1"/>
+          </p:nvPr>
+        </p:nvSpPr>
+        <p:spPr>
+          <a:xfrm>
+            <a:off x="685800" y="4400550"/>
+            <a:ext cx="5486400" cy="3600450"/>
+          </a:xfrm>
+          <a:prstGeom prst="rect">
+            <a:avLst/>
+          </a:prstGeom>
+        </p:spPr>
+        <p:txBody>
+          <a:bodyPr spcFirstLastPara="1" wrap="square" lIns="91425" tIns="45700" rIns="91425" bIns="45700" anchor="t" anchorCtr="0">
+            <a:noAutofit/>
+          </a:bodyPr>
+          <a:lstStyle/>
+          <a:p>
+            <a:pPr marL="0" lvl="0" indent="0" algn="l" rtl="0">
+              <a:spcBef>
+                <a:spcPts val="0"/>
+              </a:spcBef>
+              <a:spcAft>
+                <a:spcPts val="0"/>
+              </a:spcAft>
+              <a:buNone/>
+            </a:pPr>
+            <a:endParaRPr/>
+          </a:p>
+        </p:txBody>
+      </p:sp>
+      <p:sp>
+        <p:nvSpPr>
+          <p:cNvPr id="95" name="Google Shape;95;p1:notes"/>
+          <p:cNvSpPr>
+            <a:spLocks noGrp="1" noRot="1" noChangeAspect="1"/>
+          </p:cNvSpPr>
+          <p:nvPr>
+            <p:ph type="sldImg" idx="2"/>
+          </p:nvPr>
+        </p:nvSpPr>
+        <p:spPr>
+          <a:xfrm>
+            <a:off x="685800" y="1143000"/>
+            <a:ext cx="5486400" cy="3086100"/>
+          </a:xfrm>
+          <a:custGeom>
+            <a:avLst/>
+            <a:gdLst/>
+            <a:ahLst/>
+            <a:cxnLst/>
+            <a:rect l="l" t="t" r="r" b="b"/>
+            <a:pathLst>
+              <a:path w="120000" h="120000" extrusionOk="0">
+                <a:moveTo>
+                  <a:pt x="0" y="0"/>
+                </a:moveTo>
+                <a:lnTo>
+                  <a:pt x="120000" y="0"/>
+                </a:lnTo>
+                <a:lnTo>
+                  <a:pt x="120000" y="120000"/>
+                </a:lnTo>
+                <a:lnTo>
+                  <a:pt x="0" y="120000"/>
+                </a:lnTo>
+                <a:close/>
+              </a:path>
+            </a:pathLst>
+          </a:custGeom>
+        </p:spPr>
+      </p:sp>
+    </p:spTree>
+  </p:cSld>
+  <p:clrMapOvr>
+    <a:masterClrMapping/>
+  </p:clrMapOvr>
+</p:notes>
+</file>
+
+<file path=ppt/notesSlides/notesSlide3.xml><?xml version="1.0" encoding="utf-8"?>
+<p:notes xmlns:a="http://schemas.openxmlformats.org/drawingml/2006/main" xmlns:r="http://schemas.openxmlformats.org/officeDocument/2006/relationships" xmlns:p="http://schemas.openxmlformats.org/presentationml/2006/main" showMasterSp="0" showMasterPhAnim="0">
+  <p:cSld>
+    <p:spTree>
+      <p:nvGrpSpPr>
         <p:cNvPr id="1" name="Shape 99"/>
         <p:cNvGrpSpPr/>
         <p:nvPr/>
@@ -1956,7 +2229,7 @@
 </p:notes>
 </file>
 
-<file path=ppt/notesSlides/notesSlide3.xml><?xml version="1.0" encoding="utf-8"?>
+<file path=ppt/notesSlides/notesSlide4.xml><?xml version="1.0" encoding="utf-8"?>
 <p:notes xmlns:a="http://schemas.openxmlformats.org/drawingml/2006/main" xmlns:r="http://schemas.openxmlformats.org/officeDocument/2006/relationships" xmlns:p="http://schemas.openxmlformats.org/presentationml/2006/main" showMasterSp="0" showMasterPhAnim="0">
   <p:cSld>
     <p:spTree>
@@ -2125,7 +2398,7 @@
 </p:notes>
 </file>
 
-<file path=ppt/notesSlides/notesSlide4.xml><?xml version="1.0" encoding="utf-8"?>
+<file path=ppt/notesSlides/notesSlide5.xml><?xml version="1.0" encoding="utf-8"?>
 <p:notes xmlns:a="http://schemas.openxmlformats.org/drawingml/2006/main" xmlns:r="http://schemas.openxmlformats.org/officeDocument/2006/relationships" xmlns:p="http://schemas.openxmlformats.org/presentationml/2006/main" showMasterSp="0" showMasterPhAnim="0">
   <p:cSld>
     <p:spTree>
@@ -2294,7 +2567,7 @@
 </p:notes>
 </file>
 
-<file path=ppt/notesSlides/notesSlide5.xml><?xml version="1.0" encoding="utf-8"?>
+<file path=ppt/notesSlides/notesSlide6.xml><?xml version="1.0" encoding="utf-8"?>
 <p:notes xmlns:a="http://schemas.openxmlformats.org/drawingml/2006/main" xmlns:r="http://schemas.openxmlformats.org/officeDocument/2006/relationships" xmlns:p="http://schemas.openxmlformats.org/presentationml/2006/main" showMasterSp="0" showMasterPhAnim="0">
   <p:cSld>
     <p:spTree>
@@ -2463,7 +2736,7 @@
 </p:notes>
 </file>
 
-<file path=ppt/notesSlides/notesSlide6.xml><?xml version="1.0" encoding="utf-8"?>
+<file path=ppt/notesSlides/notesSlide7.xml><?xml version="1.0" encoding="utf-8"?>
 <p:notes xmlns:a="http://schemas.openxmlformats.org/drawingml/2006/main" xmlns:r="http://schemas.openxmlformats.org/officeDocument/2006/relationships" xmlns:p="http://schemas.openxmlformats.org/presentationml/2006/main" showMasterSp="0" showMasterPhAnim="0">
   <p:cSld>
     <p:spTree>
@@ -2627,7 +2900,7 @@
 </p:notes>
 </file>
 
-<file path=ppt/notesSlides/notesSlide7.xml><?xml version="1.0" encoding="utf-8"?>
+<file path=ppt/notesSlides/notesSlide8.xml><?xml version="1.0" encoding="utf-8"?>
 <p:notes xmlns:a="http://schemas.openxmlformats.org/drawingml/2006/main" xmlns:r="http://schemas.openxmlformats.org/officeDocument/2006/relationships" xmlns:p="http://schemas.openxmlformats.org/presentationml/2006/main" showMasterSp="0" showMasterPhAnim="0">
   <p:cSld>
     <p:spTree>
@@ -2791,7 +3064,7 @@
 </p:notes>
 </file>
 
-<file path=ppt/notesSlides/notesSlide8.xml><?xml version="1.0" encoding="utf-8"?>
+<file path=ppt/notesSlides/notesSlide9.xml><?xml version="1.0" encoding="utf-8"?>
 <p:notes xmlns:a="http://schemas.openxmlformats.org/drawingml/2006/main" xmlns:r="http://schemas.openxmlformats.org/officeDocument/2006/relationships" xmlns:p="http://schemas.openxmlformats.org/presentationml/2006/main" showMasterSp="0" showMasterPhAnim="0">
   <p:cSld>
     <p:spTree>
@@ -2947,170 +3220,6 @@
             <a:fld id="{00000000-1234-1234-1234-123412341234}" type="slidenum">
               <a:rPr lang="en-US"/>
               <a:t>9</a:t>
-            </a:fld>
-            <a:endParaRPr/>
-          </a:p>
-        </p:txBody>
-      </p:sp>
-    </p:spTree>
-  </p:cSld>
-  <p:clrMapOvr>
-    <a:masterClrMapping/>
-  </p:clrMapOvr>
-</p:notes>
-</file>
-
-<file path=ppt/notesSlides/notesSlide9.xml><?xml version="1.0" encoding="utf-8"?>
-<p:notes xmlns:a="http://schemas.openxmlformats.org/drawingml/2006/main" xmlns:r="http://schemas.openxmlformats.org/officeDocument/2006/relationships" xmlns:p="http://schemas.openxmlformats.org/presentationml/2006/main" showMasterSp="0" showMasterPhAnim="0">
-  <p:cSld>
-    <p:spTree>
-      <p:nvGrpSpPr>
-        <p:cNvPr id="1" name="Shape 167"/>
-        <p:cNvGrpSpPr/>
-        <p:nvPr/>
-      </p:nvGrpSpPr>
-      <p:grpSpPr>
-        <a:xfrm>
-          <a:off x="0" y="0"/>
-          <a:ext cx="0" cy="0"/>
-          <a:chOff x="0" y="0"/>
-          <a:chExt cx="0" cy="0"/>
-        </a:xfrm>
-      </p:grpSpPr>
-      <p:sp>
-        <p:nvSpPr>
-          <p:cNvPr id="168" name="Google Shape;168;p11:notes"/>
-          <p:cNvSpPr>
-            <a:spLocks noGrp="1" noRot="1" noChangeAspect="1"/>
-          </p:cNvSpPr>
-          <p:nvPr>
-            <p:ph type="sldImg" idx="2"/>
-          </p:nvPr>
-        </p:nvSpPr>
-        <p:spPr>
-          <a:xfrm>
-            <a:off x="685800" y="1143000"/>
-            <a:ext cx="5486400" cy="3086100"/>
-          </a:xfrm>
-          <a:custGeom>
-            <a:avLst/>
-            <a:gdLst/>
-            <a:ahLst/>
-            <a:cxnLst/>
-            <a:rect l="l" t="t" r="r" b="b"/>
-            <a:pathLst>
-              <a:path w="120000" h="120000" extrusionOk="0">
-                <a:moveTo>
-                  <a:pt x="0" y="0"/>
-                </a:moveTo>
-                <a:lnTo>
-                  <a:pt x="120000" y="0"/>
-                </a:lnTo>
-                <a:lnTo>
-                  <a:pt x="120000" y="120000"/>
-                </a:lnTo>
-                <a:lnTo>
-                  <a:pt x="0" y="120000"/>
-                </a:lnTo>
-                <a:close/>
-              </a:path>
-            </a:pathLst>
-          </a:custGeom>
-          <a:noFill/>
-          <a:ln w="12700" cap="flat" cmpd="sng">
-            <a:solidFill>
-              <a:srgbClr val="000000"/>
-            </a:solidFill>
-            <a:prstDash val="solid"/>
-            <a:round/>
-            <a:headEnd type="none" w="sm" len="sm"/>
-            <a:tailEnd type="none" w="sm" len="sm"/>
-          </a:ln>
-        </p:spPr>
-      </p:sp>
-      <p:sp>
-        <p:nvSpPr>
-          <p:cNvPr id="169" name="Google Shape;169;p11:notes"/>
-          <p:cNvSpPr txBox="1">
-            <a:spLocks noGrp="1"/>
-          </p:cNvSpPr>
-          <p:nvPr>
-            <p:ph type="body" idx="1"/>
-          </p:nvPr>
-        </p:nvSpPr>
-        <p:spPr>
-          <a:xfrm>
-            <a:off x="685800" y="4400550"/>
-            <a:ext cx="5486400" cy="3600450"/>
-          </a:xfrm>
-          <a:prstGeom prst="rect">
-            <a:avLst/>
-          </a:prstGeom>
-          <a:noFill/>
-          <a:ln>
-            <a:noFill/>
-          </a:ln>
-        </p:spPr>
-        <p:txBody>
-          <a:bodyPr spcFirstLastPara="1" wrap="square" lIns="91425" tIns="45700" rIns="91425" bIns="45700" anchor="t" anchorCtr="0">
-            <a:noAutofit/>
-          </a:bodyPr>
-          <a:lstStyle/>
-          <a:p>
-            <a:pPr marL="0" lvl="0" indent="0" algn="l" rtl="0">
-              <a:spcBef>
-                <a:spcPts val="0"/>
-              </a:spcBef>
-              <a:spcAft>
-                <a:spcPts val="0"/>
-              </a:spcAft>
-              <a:buNone/>
-            </a:pPr>
-            <a:endParaRPr/>
-          </a:p>
-        </p:txBody>
-      </p:sp>
-      <p:sp>
-        <p:nvSpPr>
-          <p:cNvPr id="170" name="Google Shape;170;p11:notes"/>
-          <p:cNvSpPr txBox="1">
-            <a:spLocks noGrp="1"/>
-          </p:cNvSpPr>
-          <p:nvPr>
-            <p:ph type="sldNum" idx="12"/>
-          </p:nvPr>
-        </p:nvSpPr>
-        <p:spPr>
-          <a:xfrm>
-            <a:off x="3884613" y="8685213"/>
-            <a:ext cx="2971800" cy="458787"/>
-          </a:xfrm>
-          <a:prstGeom prst="rect">
-            <a:avLst/>
-          </a:prstGeom>
-          <a:noFill/>
-          <a:ln>
-            <a:noFill/>
-          </a:ln>
-        </p:spPr>
-        <p:txBody>
-          <a:bodyPr spcFirstLastPara="1" wrap="square" lIns="91425" tIns="45700" rIns="91425" bIns="45700" anchor="b" anchorCtr="0">
-            <a:noAutofit/>
-          </a:bodyPr>
-          <a:lstStyle/>
-          <a:p>
-            <a:pPr marL="0" lvl="0" indent="0" algn="r" rtl="0">
-              <a:spcBef>
-                <a:spcPts val="0"/>
-              </a:spcBef>
-              <a:spcAft>
-                <a:spcPts val="0"/>
-              </a:spcAft>
-              <a:buNone/>
-            </a:pPr>
-            <a:fld id="{00000000-1234-1234-1234-123412341234}" type="slidenum">
-              <a:rPr lang="en-US"/>
-              <a:t>10</a:t>
             </a:fld>
             <a:endParaRPr/>
           </a:p>
@@ -21161,7 +21270,7 @@
           <p:nvPr/>
         </p:nvPicPr>
         <p:blipFill>
-          <a:blip r:embed="rId2" cstate="print">
+          <a:blip r:embed="rId3" cstate="print">
             <a:extLst>
               <a:ext uri="{28A0092B-C50C-407E-A947-70E740481C1C}">
                 <a14:useLocalDpi xmlns:a14="http://schemas.microsoft.com/office/drawing/2010/main" val="0"/>
@@ -21514,7 +21623,7 @@
           <p:nvPr/>
         </p:nvPicPr>
         <p:blipFill>
-          <a:blip r:embed="rId3" cstate="print">
+          <a:blip r:embed="rId4" cstate="print">
             <a:extLst>
               <a:ext uri="{28A0092B-C50C-407E-A947-70E740481C1C}">
                 <a14:useLocalDpi xmlns:a14="http://schemas.microsoft.com/office/drawing/2010/main" val="0"/>
@@ -24902,6 +25011,42 @@
                 <a:sym typeface="Arial"/>
               </a:rPr>
               <a:t>mắt</a:t>
+            </a:r>
+            <a:r>
+              <a:rPr lang="en-US" sz="2400" dirty="0">
+                <a:latin typeface="Arial"/>
+                <a:ea typeface="Arial"/>
+                <a:cs typeface="Arial"/>
+                <a:sym typeface="Arial"/>
+              </a:rPr>
+              <a:t> </a:t>
+            </a:r>
+            <a:r>
+              <a:rPr lang="en-US" sz="2400" dirty="0" err="1">
+                <a:latin typeface="Arial"/>
+                <a:ea typeface="Arial"/>
+                <a:cs typeface="Arial"/>
+                <a:sym typeface="Arial"/>
+              </a:rPr>
+              <a:t>sản</a:t>
+            </a:r>
+            <a:r>
+              <a:rPr lang="en-US" sz="2400" dirty="0">
+                <a:latin typeface="Arial"/>
+                <a:ea typeface="Arial"/>
+                <a:cs typeface="Arial"/>
+                <a:sym typeface="Arial"/>
+              </a:rPr>
+              <a:t> </a:t>
+            </a:r>
+            <a:r>
+              <a:rPr lang="en-US" sz="2400" dirty="0" err="1">
+                <a:latin typeface="Arial"/>
+                <a:ea typeface="Arial"/>
+                <a:cs typeface="Arial"/>
+                <a:sym typeface="Arial"/>
+              </a:rPr>
+              <a:t>phẩm</a:t>
             </a:r>
             <a:r>
               <a:rPr lang="en-US" sz="2400" dirty="0">
